--- a/JEU-DE-PORTES.pptx
+++ b/JEU-DE-PORTES.pptx
@@ -603,7 +603,7 @@
           <a:p>
             <a:fld id="{1D8BD707-D9CF-40AE-B4C6-C98DA3205C09}" type="datetimeFigureOut">
               <a:rPr lang="en-US"/>
-              <a:t>11/24/2020</a:t>
+              <a:t>11/25/2020</a:t>
             </a:fld>
             <a:endParaRPr lang="en-US"/>
           </a:p>
@@ -780,7 +780,7 @@
           <a:p>
             <a:fld id="{1D8BD707-D9CF-40AE-B4C6-C98DA3205C09}" type="datetimeFigureOut">
               <a:rPr lang="en-US"/>
-              <a:t>11/24/2020</a:t>
+              <a:t>11/25/2020</a:t>
             </a:fld>
             <a:endParaRPr lang="en-US"/>
           </a:p>
@@ -994,7 +994,7 @@
           <a:p>
             <a:fld id="{1D8BD707-D9CF-40AE-B4C6-C98DA3205C09}" type="datetimeFigureOut">
               <a:rPr lang="en-US"/>
-              <a:t>11/24/2020</a:t>
+              <a:t>11/25/2020</a:t>
             </a:fld>
             <a:endParaRPr lang="en-US"/>
           </a:p>
@@ -1142,7 +1142,7 @@
           <a:p>
             <a:fld id="{1D8BD707-D9CF-40AE-B4C6-C98DA3205C09}" type="datetimeFigureOut">
               <a:rPr lang="en-US"/>
-              <a:t>11/24/2020</a:t>
+              <a:t>11/25/2020</a:t>
             </a:fld>
             <a:endParaRPr lang="en-US"/>
           </a:p>
@@ -1261,7 +1261,7 @@
           <a:p>
             <a:fld id="{1D8BD707-D9CF-40AE-B4C6-C98DA3205C09}" type="datetimeFigureOut">
               <a:rPr lang="en-US"/>
-              <a:t>11/24/2020</a:t>
+              <a:t>11/25/2020</a:t>
             </a:fld>
             <a:endParaRPr lang="en-US"/>
           </a:p>
@@ -1747,7 +1747,7 @@
           <a:p>
             <a:fld id="{1D8BD707-D9CF-40AE-B4C6-C98DA3205C09}" type="datetimeFigureOut">
               <a:rPr lang="en-US"/>
-              <a:t>11/24/2020</a:t>
+              <a:t>11/25/2020</a:t>
             </a:fld>
             <a:endParaRPr lang="en-US"/>
           </a:p>
@@ -2303,13 +2303,13 @@
   <p:clrMapOvr>
     <a:masterClrMapping/>
   </p:clrMapOvr>
-  <mc:AlternateContent xmlns:mc="http://schemas.openxmlformats.org/markup-compatibility/2006">
-    <mc:Choice xmlns:p159="http://schemas.microsoft.com/office/powerpoint/2015/09/main" Requires="p159">
+  <mc:AlternateContent xmlns:mc="http://schemas.openxmlformats.org/markup-compatibility/2006" xmlns:p159="http://schemas.microsoft.com/office/powerpoint/2015/09/main">
+    <mc:Choice Requires="p159">
       <p:transition xmlns:p14="http://schemas.microsoft.com/office/powerpoint/2010/main" spd="slow" p14:dur="2000">
         <p159:morph option="byObject"/>
       </p:transition>
     </mc:Choice>
-    <mc:Fallback>
+    <mc:Fallback xmlns="">
       <p:transition spd="slow">
         <p:fade/>
       </p:transition>
@@ -2438,13 +2438,13 @@
   <p:clrMapOvr>
     <a:masterClrMapping/>
   </p:clrMapOvr>
-  <mc:AlternateContent xmlns:mc="http://schemas.openxmlformats.org/markup-compatibility/2006">
-    <mc:Choice xmlns:p159="http://schemas.microsoft.com/office/powerpoint/2015/09/main" Requires="p159">
+  <mc:AlternateContent xmlns:mc="http://schemas.openxmlformats.org/markup-compatibility/2006" xmlns:p159="http://schemas.microsoft.com/office/powerpoint/2015/09/main">
+    <mc:Choice Requires="p159">
       <p:transition xmlns:p14="http://schemas.microsoft.com/office/powerpoint/2010/main" spd="slow" p14:dur="2000">
         <p159:morph option="byObject"/>
       </p:transition>
     </mc:Choice>
-    <mc:Fallback>
+    <mc:Fallback xmlns="">
       <p:transition spd="slow">
         <p:fade/>
       </p:transition>
@@ -4633,13 +4633,13 @@
   <p:clrMapOvr>
     <a:masterClrMapping/>
   </p:clrMapOvr>
-  <mc:AlternateContent xmlns:mc="http://schemas.openxmlformats.org/markup-compatibility/2006">
-    <mc:Choice xmlns:p159="http://schemas.microsoft.com/office/powerpoint/2015/09/main" Requires="p159">
+  <mc:AlternateContent xmlns:mc="http://schemas.openxmlformats.org/markup-compatibility/2006" xmlns:p159="http://schemas.microsoft.com/office/powerpoint/2015/09/main">
+    <mc:Choice Requires="p159">
       <p:transition xmlns:p14="http://schemas.microsoft.com/office/powerpoint/2010/main" spd="slow" p14:dur="2000">
         <p159:morph option="byObject"/>
       </p:transition>
     </mc:Choice>
-    <mc:Fallback>
+    <mc:Fallback xmlns="">
       <p:transition spd="slow">
         <p:fade/>
       </p:transition>
@@ -7454,13 +7454,13 @@
   <p:clrMapOvr>
     <a:masterClrMapping/>
   </p:clrMapOvr>
-  <mc:AlternateContent xmlns:mc="http://schemas.openxmlformats.org/markup-compatibility/2006">
-    <mc:Choice xmlns:p159="http://schemas.microsoft.com/office/powerpoint/2015/09/main" Requires="p159">
+  <mc:AlternateContent xmlns:mc="http://schemas.openxmlformats.org/markup-compatibility/2006" xmlns:p159="http://schemas.microsoft.com/office/powerpoint/2015/09/main">
+    <mc:Choice Requires="p159">
       <p:transition xmlns:p14="http://schemas.microsoft.com/office/powerpoint/2010/main" spd="slow" p14:dur="2000">
         <p159:morph option="byObject"/>
       </p:transition>
     </mc:Choice>
-    <mc:Fallback>
+    <mc:Fallback xmlns="">
       <p:transition spd="slow">
         <p:fade/>
       </p:transition>
@@ -10022,13 +10022,13 @@
   <p:clrMapOvr>
     <a:masterClrMapping/>
   </p:clrMapOvr>
-  <mc:AlternateContent xmlns:mc="http://schemas.openxmlformats.org/markup-compatibility/2006">
-    <mc:Choice xmlns:p159="http://schemas.microsoft.com/office/powerpoint/2015/09/main" Requires="p159">
+  <mc:AlternateContent xmlns:mc="http://schemas.openxmlformats.org/markup-compatibility/2006" xmlns:p159="http://schemas.microsoft.com/office/powerpoint/2015/09/main">
+    <mc:Choice Requires="p159">
       <p:transition xmlns:p14="http://schemas.microsoft.com/office/powerpoint/2010/main" spd="slow" p14:dur="2000">
         <p159:morph option="byObject"/>
       </p:transition>
     </mc:Choice>
-    <mc:Fallback>
+    <mc:Fallback xmlns="">
       <p:transition spd="slow">
         <p:fade/>
       </p:transition>
@@ -10070,12 +10070,480 @@
             <p:ph type="body" idx="1"/>
           </p:nvPr>
         </p:nvSpPr>
-        <p:spPr/>
+        <p:spPr>
+          <a:xfrm>
+            <a:off x="1212088" y="1752600"/>
+            <a:ext cx="9767824" cy="2492990"/>
+          </a:xfrm>
+        </p:spPr>
         <p:txBody>
           <a:bodyPr/>
           <a:lstStyle/>
           <a:p>
-            <a:endParaRPr lang="en-US" dirty="0"/>
+            <a:r>
+              <a:rPr lang="en-US" dirty="0">
+                <a:latin typeface="Tw Cen MT" panose="020B0602020104020603" pitchFamily="34" charset="0"/>
+              </a:rPr>
+              <a:t>Les structures que nous </a:t>
+            </a:r>
+            <a:r>
+              <a:rPr lang="en-US" dirty="0" err="1">
+                <a:latin typeface="Tw Cen MT" panose="020B0602020104020603" pitchFamily="34" charset="0"/>
+              </a:rPr>
+              <a:t>avons</a:t>
+            </a:r>
+            <a:r>
+              <a:rPr lang="en-US" dirty="0">
+                <a:latin typeface="Tw Cen MT" panose="020B0602020104020603" pitchFamily="34" charset="0"/>
+              </a:rPr>
+              <a:t> </a:t>
+            </a:r>
+            <a:r>
+              <a:rPr lang="en-US" dirty="0" err="1">
+                <a:latin typeface="Tw Cen MT" panose="020B0602020104020603" pitchFamily="34" charset="0"/>
+              </a:rPr>
+              <a:t>utilisées</a:t>
+            </a:r>
+            <a:r>
+              <a:rPr lang="en-US" dirty="0">
+                <a:latin typeface="Tw Cen MT" panose="020B0602020104020603" pitchFamily="34" charset="0"/>
+              </a:rPr>
+              <a:t> :</a:t>
+            </a:r>
+          </a:p>
+          <a:p>
+            <a:endParaRPr lang="en-US" dirty="0">
+              <a:latin typeface="Tw Cen MT" panose="020B0602020104020603" pitchFamily="34" charset="0"/>
+            </a:endParaRPr>
+          </a:p>
+          <a:p>
+            <a:pPr marL="1257300" lvl="2" indent="-342900">
+              <a:buFont typeface="Wingdings" panose="05000000000000000000" pitchFamily="2" charset="2"/>
+              <a:buChar char="Ø"/>
+            </a:pPr>
+            <a:r>
+              <a:rPr lang="en-US" dirty="0">
+                <a:solidFill>
+                  <a:schemeClr val="bg1"/>
+                </a:solidFill>
+                <a:latin typeface="Tw Cen MT" panose="020B0602020104020603" pitchFamily="34" charset="0"/>
+              </a:rPr>
+              <a:t>Une structure </a:t>
+            </a:r>
+            <a:r>
+              <a:rPr lang="en-US" dirty="0" err="1">
+                <a:solidFill>
+                  <a:schemeClr val="bg1"/>
+                </a:solidFill>
+                <a:latin typeface="Tw Cen MT" panose="020B0602020104020603" pitchFamily="34" charset="0"/>
+              </a:rPr>
+              <a:t>Joueur</a:t>
+            </a:r>
+            <a:r>
+              <a:rPr lang="en-US" dirty="0">
+                <a:solidFill>
+                  <a:schemeClr val="bg1"/>
+                </a:solidFill>
+                <a:latin typeface="Tw Cen MT" panose="020B0602020104020603" pitchFamily="34" charset="0"/>
+              </a:rPr>
+              <a:t> qui </a:t>
+            </a:r>
+            <a:r>
+              <a:rPr lang="en-US" dirty="0" err="1">
+                <a:solidFill>
+                  <a:schemeClr val="bg1"/>
+                </a:solidFill>
+                <a:latin typeface="Tw Cen MT" panose="020B0602020104020603" pitchFamily="34" charset="0"/>
+              </a:rPr>
+              <a:t>va</a:t>
+            </a:r>
+            <a:r>
+              <a:rPr lang="en-US" dirty="0">
+                <a:solidFill>
+                  <a:schemeClr val="bg1"/>
+                </a:solidFill>
+                <a:latin typeface="Tw Cen MT" panose="020B0602020104020603" pitchFamily="34" charset="0"/>
+              </a:rPr>
+              <a:t> </a:t>
+            </a:r>
+            <a:r>
+              <a:rPr lang="en-US" dirty="0" err="1">
+                <a:solidFill>
+                  <a:schemeClr val="bg1"/>
+                </a:solidFill>
+                <a:latin typeface="Tw Cen MT" panose="020B0602020104020603" pitchFamily="34" charset="0"/>
+              </a:rPr>
+              <a:t>comprendre</a:t>
+            </a:r>
+            <a:r>
+              <a:rPr lang="en-US" dirty="0">
+                <a:solidFill>
+                  <a:schemeClr val="bg1"/>
+                </a:solidFill>
+                <a:latin typeface="Tw Cen MT" panose="020B0602020104020603" pitchFamily="34" charset="0"/>
+              </a:rPr>
+              <a:t> le nom du </a:t>
+            </a:r>
+            <a:r>
+              <a:rPr lang="en-US" dirty="0" err="1">
+                <a:solidFill>
+                  <a:schemeClr val="bg1"/>
+                </a:solidFill>
+                <a:latin typeface="Tw Cen MT" panose="020B0602020104020603" pitchFamily="34" charset="0"/>
+              </a:rPr>
+              <a:t>joueur</a:t>
+            </a:r>
+            <a:r>
+              <a:rPr lang="en-US" dirty="0">
+                <a:solidFill>
+                  <a:schemeClr val="bg1"/>
+                </a:solidFill>
+                <a:latin typeface="Tw Cen MT" panose="020B0602020104020603" pitchFamily="34" charset="0"/>
+              </a:rPr>
+              <a:t>, son </a:t>
+            </a:r>
+            <a:r>
+              <a:rPr lang="en-US" dirty="0" err="1">
+                <a:solidFill>
+                  <a:schemeClr val="bg1"/>
+                </a:solidFill>
+                <a:latin typeface="Tw Cen MT" panose="020B0602020104020603" pitchFamily="34" charset="0"/>
+              </a:rPr>
+              <a:t>nombre</a:t>
+            </a:r>
+            <a:r>
+              <a:rPr lang="en-US" dirty="0">
+                <a:solidFill>
+                  <a:schemeClr val="bg1"/>
+                </a:solidFill>
+                <a:latin typeface="Tw Cen MT" panose="020B0602020104020603" pitchFamily="34" charset="0"/>
+              </a:rPr>
+              <a:t> de point </a:t>
+            </a:r>
+            <a:r>
+              <a:rPr lang="en-US" dirty="0" err="1">
+                <a:solidFill>
+                  <a:schemeClr val="bg1"/>
+                </a:solidFill>
+                <a:latin typeface="Tw Cen MT" panose="020B0602020104020603" pitchFamily="34" charset="0"/>
+              </a:rPr>
+              <a:t>durant</a:t>
+            </a:r>
+            <a:r>
+              <a:rPr lang="en-US" dirty="0">
+                <a:solidFill>
+                  <a:schemeClr val="bg1"/>
+                </a:solidFill>
+                <a:latin typeface="Tw Cen MT" panose="020B0602020104020603" pitchFamily="34" charset="0"/>
+              </a:rPr>
+              <a:t> les parties </a:t>
+            </a:r>
+            <a:r>
+              <a:rPr lang="en-US" dirty="0" err="1">
+                <a:solidFill>
+                  <a:schemeClr val="bg1"/>
+                </a:solidFill>
+                <a:latin typeface="Tw Cen MT" panose="020B0602020104020603" pitchFamily="34" charset="0"/>
+              </a:rPr>
+              <a:t>qu’il</a:t>
+            </a:r>
+            <a:r>
+              <a:rPr lang="en-US" dirty="0">
+                <a:solidFill>
+                  <a:schemeClr val="bg1"/>
+                </a:solidFill>
+                <a:latin typeface="Tw Cen MT" panose="020B0602020104020603" pitchFamily="34" charset="0"/>
+              </a:rPr>
+              <a:t> à fait, les </a:t>
+            </a:r>
+            <a:r>
+              <a:rPr lang="en-US" dirty="0" err="1">
+                <a:solidFill>
+                  <a:schemeClr val="bg1"/>
+                </a:solidFill>
+                <a:latin typeface="Tw Cen MT" panose="020B0602020104020603" pitchFamily="34" charset="0"/>
+              </a:rPr>
+              <a:t>pénalitées</a:t>
+            </a:r>
+            <a:r>
+              <a:rPr lang="en-US" dirty="0">
+                <a:solidFill>
+                  <a:schemeClr val="bg1"/>
+                </a:solidFill>
+                <a:latin typeface="Tw Cen MT" panose="020B0602020104020603" pitchFamily="34" charset="0"/>
+              </a:rPr>
+              <a:t> </a:t>
+            </a:r>
+            <a:r>
+              <a:rPr lang="en-US" dirty="0" err="1">
+                <a:solidFill>
+                  <a:schemeClr val="bg1"/>
+                </a:solidFill>
+                <a:latin typeface="Tw Cen MT" panose="020B0602020104020603" pitchFamily="34" charset="0"/>
+              </a:rPr>
+              <a:t>qu’il</a:t>
+            </a:r>
+            <a:r>
+              <a:rPr lang="en-US" dirty="0">
+                <a:solidFill>
+                  <a:schemeClr val="bg1"/>
+                </a:solidFill>
+                <a:latin typeface="Tw Cen MT" panose="020B0602020104020603" pitchFamily="34" charset="0"/>
+              </a:rPr>
+              <a:t> a </a:t>
+            </a:r>
+            <a:r>
+              <a:rPr lang="en-US" dirty="0" err="1">
+                <a:solidFill>
+                  <a:schemeClr val="bg1"/>
+                </a:solidFill>
+                <a:latin typeface="Tw Cen MT" panose="020B0602020104020603" pitchFamily="34" charset="0"/>
+              </a:rPr>
+              <a:t>eu</a:t>
+            </a:r>
+            <a:r>
+              <a:rPr lang="en-US" dirty="0">
+                <a:solidFill>
+                  <a:schemeClr val="bg1"/>
+                </a:solidFill>
+                <a:latin typeface="Tw Cen MT" panose="020B0602020104020603" pitchFamily="34" charset="0"/>
+              </a:rPr>
+              <a:t> et le temps </a:t>
+            </a:r>
+            <a:r>
+              <a:rPr lang="en-US" dirty="0" err="1">
+                <a:solidFill>
+                  <a:schemeClr val="bg1"/>
+                </a:solidFill>
+                <a:latin typeface="Tw Cen MT" panose="020B0602020104020603" pitchFamily="34" charset="0"/>
+              </a:rPr>
+              <a:t>qu’aura</a:t>
+            </a:r>
+            <a:r>
+              <a:rPr lang="en-US" dirty="0">
+                <a:solidFill>
+                  <a:schemeClr val="bg1"/>
+                </a:solidFill>
+                <a:latin typeface="Tw Cen MT" panose="020B0602020104020603" pitchFamily="34" charset="0"/>
+              </a:rPr>
+              <a:t> durée </a:t>
+            </a:r>
+            <a:r>
+              <a:rPr lang="en-US" dirty="0" err="1">
+                <a:solidFill>
+                  <a:schemeClr val="bg1"/>
+                </a:solidFill>
+                <a:latin typeface="Tw Cen MT" panose="020B0602020104020603" pitchFamily="34" charset="0"/>
+              </a:rPr>
+              <a:t>sa</a:t>
+            </a:r>
+            <a:r>
+              <a:rPr lang="en-US" dirty="0">
+                <a:solidFill>
+                  <a:schemeClr val="bg1"/>
+                </a:solidFill>
+                <a:latin typeface="Tw Cen MT" panose="020B0602020104020603" pitchFamily="34" charset="0"/>
+              </a:rPr>
+              <a:t> </a:t>
+            </a:r>
+            <a:r>
+              <a:rPr lang="en-US" dirty="0" err="1">
+                <a:solidFill>
+                  <a:schemeClr val="bg1"/>
+                </a:solidFill>
+                <a:latin typeface="Tw Cen MT" panose="020B0602020104020603" pitchFamily="34" charset="0"/>
+              </a:rPr>
+              <a:t>partie</a:t>
+            </a:r>
+            <a:r>
+              <a:rPr lang="en-US" dirty="0">
+                <a:solidFill>
+                  <a:schemeClr val="bg1"/>
+                </a:solidFill>
+                <a:latin typeface="Tw Cen MT" panose="020B0602020104020603" pitchFamily="34" charset="0"/>
+              </a:rPr>
+              <a:t>.</a:t>
+            </a:r>
+          </a:p>
+          <a:p>
+            <a:pPr marL="1257300" lvl="2" indent="-342900">
+              <a:buFont typeface="Wingdings" panose="05000000000000000000" pitchFamily="2" charset="2"/>
+              <a:buChar char="Ø"/>
+            </a:pPr>
+            <a:r>
+              <a:rPr lang="en-US" dirty="0">
+                <a:solidFill>
+                  <a:schemeClr val="bg1"/>
+                </a:solidFill>
+                <a:latin typeface="Tw Cen MT" panose="020B0602020104020603" pitchFamily="34" charset="0"/>
+              </a:rPr>
+              <a:t> </a:t>
+            </a:r>
+          </a:p>
+          <a:p>
+            <a:pPr marL="1257300" lvl="2" indent="-342900">
+              <a:buFont typeface="Wingdings" panose="05000000000000000000" pitchFamily="2" charset="2"/>
+              <a:buChar char="Ø"/>
+            </a:pPr>
+            <a:r>
+              <a:rPr lang="en-US" dirty="0">
+                <a:solidFill>
+                  <a:schemeClr val="bg1"/>
+                </a:solidFill>
+                <a:latin typeface="Tw Cen MT" panose="020B0602020104020603" pitchFamily="34" charset="0"/>
+              </a:rPr>
+              <a:t>Une structure </a:t>
+            </a:r>
+            <a:r>
+              <a:rPr lang="en-US" dirty="0" err="1">
+                <a:solidFill>
+                  <a:schemeClr val="bg1"/>
+                </a:solidFill>
+                <a:latin typeface="Tw Cen MT" panose="020B0602020104020603" pitchFamily="34" charset="0"/>
+              </a:rPr>
+              <a:t>Partie</a:t>
+            </a:r>
+            <a:r>
+              <a:rPr lang="en-US" dirty="0">
+                <a:solidFill>
+                  <a:schemeClr val="bg1"/>
+                </a:solidFill>
+                <a:latin typeface="Tw Cen MT" panose="020B0602020104020603" pitchFamily="34" charset="0"/>
+              </a:rPr>
+              <a:t> qui </a:t>
+            </a:r>
+            <a:r>
+              <a:rPr lang="en-US" dirty="0" err="1">
+                <a:solidFill>
+                  <a:schemeClr val="bg1"/>
+                </a:solidFill>
+                <a:latin typeface="Tw Cen MT" panose="020B0602020104020603" pitchFamily="34" charset="0"/>
+              </a:rPr>
+              <a:t>va</a:t>
+            </a:r>
+            <a:r>
+              <a:rPr lang="en-US" dirty="0">
+                <a:solidFill>
+                  <a:schemeClr val="bg1"/>
+                </a:solidFill>
+                <a:latin typeface="Tw Cen MT" panose="020B0602020104020603" pitchFamily="34" charset="0"/>
+              </a:rPr>
+              <a:t> </a:t>
+            </a:r>
+            <a:r>
+              <a:rPr lang="en-US" dirty="0" err="1">
+                <a:solidFill>
+                  <a:schemeClr val="bg1"/>
+                </a:solidFill>
+                <a:latin typeface="Tw Cen MT" panose="020B0602020104020603" pitchFamily="34" charset="0"/>
+              </a:rPr>
+              <a:t>comprendre</a:t>
+            </a:r>
+            <a:r>
+              <a:rPr lang="en-US" dirty="0">
+                <a:solidFill>
+                  <a:schemeClr val="bg1"/>
+                </a:solidFill>
+                <a:latin typeface="Tw Cen MT" panose="020B0602020104020603" pitchFamily="34" charset="0"/>
+              </a:rPr>
+              <a:t> les questions </a:t>
+            </a:r>
+            <a:r>
+              <a:rPr lang="en-US" dirty="0" err="1">
+                <a:solidFill>
+                  <a:schemeClr val="bg1"/>
+                </a:solidFill>
+                <a:latin typeface="Tw Cen MT" panose="020B0602020104020603" pitchFamily="34" charset="0"/>
+              </a:rPr>
+              <a:t>posées</a:t>
+            </a:r>
+            <a:r>
+              <a:rPr lang="en-US" dirty="0">
+                <a:solidFill>
+                  <a:schemeClr val="bg1"/>
+                </a:solidFill>
+                <a:latin typeface="Tw Cen MT" panose="020B0602020104020603" pitchFamily="34" charset="0"/>
+              </a:rPr>
+              <a:t>, les </a:t>
+            </a:r>
+            <a:r>
+              <a:rPr lang="en-US" dirty="0" err="1">
+                <a:solidFill>
+                  <a:schemeClr val="bg1"/>
+                </a:solidFill>
+                <a:latin typeface="Tw Cen MT" panose="020B0602020104020603" pitchFamily="34" charset="0"/>
+              </a:rPr>
+              <a:t>réponses</a:t>
+            </a:r>
+            <a:r>
+              <a:rPr lang="en-US" dirty="0">
+                <a:solidFill>
+                  <a:schemeClr val="bg1"/>
+                </a:solidFill>
+                <a:latin typeface="Tw Cen MT" panose="020B0602020104020603" pitchFamily="34" charset="0"/>
+              </a:rPr>
+              <a:t> qui </a:t>
+            </a:r>
+            <a:r>
+              <a:rPr lang="en-US" dirty="0" err="1">
+                <a:solidFill>
+                  <a:schemeClr val="bg1"/>
+                </a:solidFill>
+                <a:latin typeface="Tw Cen MT" panose="020B0602020104020603" pitchFamily="34" charset="0"/>
+              </a:rPr>
+              <a:t>lui</a:t>
+            </a:r>
+            <a:r>
+              <a:rPr lang="en-US" dirty="0">
+                <a:solidFill>
+                  <a:schemeClr val="bg1"/>
+                </a:solidFill>
+                <a:latin typeface="Tw Cen MT" panose="020B0602020104020603" pitchFamily="34" charset="0"/>
+              </a:rPr>
+              <a:t> </a:t>
+            </a:r>
+            <a:r>
+              <a:rPr lang="en-US" dirty="0" err="1">
+                <a:solidFill>
+                  <a:schemeClr val="bg1"/>
+                </a:solidFill>
+                <a:latin typeface="Tw Cen MT" panose="020B0602020104020603" pitchFamily="34" charset="0"/>
+              </a:rPr>
+              <a:t>sont</a:t>
+            </a:r>
+            <a:r>
+              <a:rPr lang="en-US" dirty="0">
+                <a:solidFill>
+                  <a:schemeClr val="bg1"/>
+                </a:solidFill>
+                <a:latin typeface="Tw Cen MT" panose="020B0602020104020603" pitchFamily="34" charset="0"/>
+              </a:rPr>
+              <a:t> </a:t>
+            </a:r>
+            <a:r>
+              <a:rPr lang="en-US" dirty="0" err="1">
+                <a:solidFill>
+                  <a:schemeClr val="bg1"/>
+                </a:solidFill>
+                <a:latin typeface="Tw Cen MT" panose="020B0602020104020603" pitchFamily="34" charset="0"/>
+              </a:rPr>
+              <a:t>attribuées</a:t>
+            </a:r>
+            <a:r>
+              <a:rPr lang="en-US" dirty="0">
+                <a:solidFill>
+                  <a:schemeClr val="bg1"/>
+                </a:solidFill>
+                <a:latin typeface="Tw Cen MT" panose="020B0602020104020603" pitchFamily="34" charset="0"/>
+              </a:rPr>
+              <a:t>  </a:t>
+            </a:r>
+          </a:p>
+          <a:p>
+            <a:r>
+              <a:rPr lang="en-US" dirty="0"/>
+              <a:t>	</a:t>
+            </a:r>
           </a:p>
         </p:txBody>
       </p:sp>
@@ -10178,13 +10646,13 @@
   <p:clrMapOvr>
     <a:masterClrMapping/>
   </p:clrMapOvr>
-  <mc:AlternateContent xmlns:mc="http://schemas.openxmlformats.org/markup-compatibility/2006">
-    <mc:Choice xmlns:p159="http://schemas.microsoft.com/office/powerpoint/2015/09/main" Requires="p159">
+  <mc:AlternateContent xmlns:mc="http://schemas.openxmlformats.org/markup-compatibility/2006" xmlns:p159="http://schemas.microsoft.com/office/powerpoint/2015/09/main">
+    <mc:Choice Requires="p159">
       <p:transition xmlns:p14="http://schemas.microsoft.com/office/powerpoint/2010/main" spd="slow" p14:dur="2000">
         <p159:morph option="byObject"/>
       </p:transition>
     </mc:Choice>
-    <mc:Fallback>
+    <mc:Fallback xmlns="">
       <p:transition spd="slow">
         <p:fade/>
       </p:transition>
@@ -10288,8 +10756,8 @@
         </p:nvSpPr>
         <p:spPr>
           <a:xfrm>
-            <a:off x="1212087" y="1557744"/>
-            <a:ext cx="5722113" cy="5071656"/>
+            <a:off x="1066800" y="2136338"/>
+            <a:ext cx="5722113" cy="2215991"/>
           </a:xfrm>
         </p:spPr>
         <p:txBody>
@@ -10298,7 +10766,16 @@
           <a:p>
             <a:r>
               <a:rPr lang="fr-FR" dirty="0"/>
-              <a:t>SDL &gt; libraire </a:t>
+              <a:t>Pour l’interface qu’on a pu faire, on a utilisé la SDL et ces librairies pour pouvoir faire une fenêtre uniquement (manque de temps et pas de cours sur la SDL).</a:t>
+            </a:r>
+          </a:p>
+          <a:p>
+            <a:endParaRPr lang="fr-FR" dirty="0"/>
+          </a:p>
+          <a:p>
+            <a:r>
+              <a:rPr lang="fr-FR" dirty="0"/>
+              <a:t>Mais notre projet final aurait ressembler à ça.</a:t>
             </a:r>
           </a:p>
         </p:txBody>
@@ -10325,7 +10802,7 @@
         </p:blipFill>
         <p:spPr>
           <a:xfrm>
-            <a:off x="7086600" y="1524000"/>
+            <a:off x="7239000" y="1779942"/>
             <a:ext cx="4687855" cy="2941719"/>
           </a:xfrm>
           <a:prstGeom prst="rect">
@@ -10360,7 +10837,7 @@
         </p:blipFill>
         <p:spPr>
           <a:xfrm>
-            <a:off x="7086600" y="1760033"/>
+            <a:off x="7239000" y="2015975"/>
             <a:ext cx="1857216" cy="2700821"/>
           </a:xfrm>
           <a:prstGeom prst="rect">
@@ -10396,7 +10873,7 @@
         </p:blipFill>
         <p:spPr>
           <a:xfrm>
-            <a:off x="8943816" y="1760033"/>
+            <a:off x="9096216" y="2015975"/>
             <a:ext cx="2830639" cy="2700821"/>
           </a:xfrm>
           <a:prstGeom prst="rect">
@@ -10418,7 +10895,7 @@
         </p:nvSpPr>
         <p:spPr>
           <a:xfrm>
-            <a:off x="7172325" y="1567722"/>
+            <a:off x="7324725" y="1823664"/>
             <a:ext cx="152400" cy="152400"/>
           </a:xfrm>
           <a:prstGeom prst="flowChartConnector">
@@ -10481,7 +10958,7 @@
         </p:blipFill>
         <p:spPr>
           <a:xfrm>
-            <a:off x="7172325" y="1557744"/>
+            <a:off x="7324725" y="1813686"/>
             <a:ext cx="208065" cy="208065"/>
           </a:xfrm>
           <a:prstGeom prst="rect">
@@ -10499,13 +10976,13 @@
   <p:clrMapOvr>
     <a:masterClrMapping/>
   </p:clrMapOvr>
-  <mc:AlternateContent xmlns:mc="http://schemas.openxmlformats.org/markup-compatibility/2006">
-    <mc:Choice xmlns:p159="http://schemas.microsoft.com/office/powerpoint/2015/09/main" Requires="p159">
+  <mc:AlternateContent xmlns:mc="http://schemas.openxmlformats.org/markup-compatibility/2006" xmlns:p159="http://schemas.microsoft.com/office/powerpoint/2015/09/main">
+    <mc:Choice Requires="p159">
       <p:transition xmlns:p14="http://schemas.microsoft.com/office/powerpoint/2010/main" spd="slow" p14:dur="2000">
         <p159:morph option="byObject"/>
       </p:transition>
     </mc:Choice>
-    <mc:Fallback>
+    <mc:Fallback xmlns="">
       <p:transition spd="slow">
         <p:fade/>
       </p:transition>
@@ -10586,7 +11063,7 @@
         </p:blipFill>
         <p:spPr>
           <a:xfrm>
-            <a:off x="7565916" y="480494"/>
+            <a:off x="2202812" y="3159913"/>
             <a:ext cx="3419339" cy="2785745"/>
           </a:xfrm>
           <a:prstGeom prst="rect">
@@ -10622,7 +11099,7 @@
         </p:blipFill>
         <p:spPr>
           <a:xfrm>
-            <a:off x="7565916" y="718302"/>
+            <a:off x="2202812" y="3397721"/>
             <a:ext cx="3419339" cy="1978959"/>
           </a:xfrm>
           <a:prstGeom prst="rect">
@@ -10644,7 +11121,7 @@
         </p:nvSpPr>
         <p:spPr>
           <a:xfrm>
-            <a:off x="7536733" y="2668090"/>
+            <a:off x="2229045" y="5322601"/>
             <a:ext cx="2452455" cy="646331"/>
           </a:xfrm>
           <a:prstGeom prst="rect">
@@ -10697,7 +11174,7 @@
         </p:blipFill>
         <p:spPr>
           <a:xfrm>
-            <a:off x="7561052" y="3429000"/>
+            <a:off x="6858000" y="3159913"/>
             <a:ext cx="3419339" cy="2785745"/>
           </a:xfrm>
           <a:prstGeom prst="rect">
@@ -10733,7 +11210,7 @@
         </p:blipFill>
         <p:spPr>
           <a:xfrm>
-            <a:off x="7561052" y="3666808"/>
+            <a:off x="6858000" y="3397721"/>
             <a:ext cx="3419339" cy="1978959"/>
           </a:xfrm>
           <a:prstGeom prst="rect">
@@ -10755,7 +11232,7 @@
         </p:nvSpPr>
         <p:spPr>
           <a:xfrm>
-            <a:off x="7512414" y="5599307"/>
+            <a:off x="6809362" y="5330220"/>
             <a:ext cx="3588468" cy="584775"/>
           </a:xfrm>
           <a:prstGeom prst="rect">
@@ -10808,6 +11285,46 @@
           </a:p>
         </p:txBody>
       </p:sp>
+      <p:sp>
+        <p:nvSpPr>
+          <p:cNvPr id="2" name="ZoneTexte 1">
+            <a:extLst>
+              <a:ext uri="{FF2B5EF4-FFF2-40B4-BE49-F238E27FC236}">
+                <a16:creationId xmlns:a16="http://schemas.microsoft.com/office/drawing/2014/main" id="{27594B18-B2BC-4EC0-8C08-A8C4C27B02ED}"/>
+              </a:ext>
+            </a:extLst>
+          </p:cNvPr>
+          <p:cNvSpPr txBox="1"/>
+          <p:nvPr/>
+        </p:nvSpPr>
+        <p:spPr>
+          <a:xfrm>
+            <a:off x="2971800" y="1500058"/>
+            <a:ext cx="6694476" cy="830997"/>
+          </a:xfrm>
+          <a:prstGeom prst="rect">
+            <a:avLst/>
+          </a:prstGeom>
+          <a:noFill/>
+        </p:spPr>
+        <p:txBody>
+          <a:bodyPr wrap="square" rtlCol="0">
+            <a:spAutoFit/>
+          </a:bodyPr>
+          <a:lstStyle/>
+          <a:p>
+            <a:r>
+              <a:rPr lang="fr-FR" sz="2400" dirty="0">
+                <a:solidFill>
+                  <a:schemeClr val="bg1"/>
+                </a:solidFill>
+                <a:latin typeface="Tw Cen MT" panose="020B0602020104020603" pitchFamily="34" charset="0"/>
+              </a:rPr>
+              <a:t>Avec un mode solo (facile, difficile), le même pour le mode multijoueur et qui aurai eu comme interface.</a:t>
+            </a:r>
+          </a:p>
+        </p:txBody>
+      </p:sp>
     </p:spTree>
     <p:extLst>
       <p:ext uri="{BB962C8B-B14F-4D97-AF65-F5344CB8AC3E}">
@@ -10818,13 +11335,13 @@
   <p:clrMapOvr>
     <a:masterClrMapping/>
   </p:clrMapOvr>
-  <mc:AlternateContent xmlns:mc="http://schemas.openxmlformats.org/markup-compatibility/2006">
-    <mc:Choice xmlns:p159="http://schemas.microsoft.com/office/powerpoint/2015/09/main" Requires="p159">
+  <mc:AlternateContent xmlns:mc="http://schemas.openxmlformats.org/markup-compatibility/2006" xmlns:p159="http://schemas.microsoft.com/office/powerpoint/2015/09/main">
+    <mc:Choice Requires="p159">
       <p:transition xmlns:p14="http://schemas.microsoft.com/office/powerpoint/2010/main" spd="slow" p14:dur="2000">
         <p159:morph option="byObject"/>
       </p:transition>
     </mc:Choice>
-    <mc:Fallback>
+    <mc:Fallback xmlns="">
       <p:transition spd="slow">
         <p:fade/>
       </p:transition>
@@ -10955,8 +11472,8 @@
         </p:nvSpPr>
         <p:spPr>
           <a:xfrm>
-            <a:off x="1203958" y="1752600"/>
-            <a:ext cx="9767824" cy="4648200"/>
+            <a:off x="1371600" y="1219200"/>
+            <a:ext cx="9767824" cy="6278642"/>
           </a:xfrm>
         </p:spPr>
         <p:txBody>
@@ -10965,8 +11482,127 @@
           <a:p>
             <a:r>
               <a:rPr lang="fr-FR" dirty="0"/>
-              <a:t>Machine utilisée …</a:t>
-            </a:r>
+              <a:t>Nous avons tous les trois utilisés un système d’exploitation qui est Windows, avec GitHub qui nous a beaucoup servi : </a:t>
+            </a:r>
+          </a:p>
+          <a:p>
+            <a:r>
+              <a:rPr lang="fr-FR" dirty="0"/>
+              <a:t>	</a:t>
+            </a:r>
+            <a:r>
+              <a:rPr lang="fr-FR" dirty="0">
+                <a:hlinkClick r:id="rId2"/>
+              </a:rPr>
+              <a:t>https://github.com/SmainMoussa/Dossier-du-jeu</a:t>
+            </a:r>
+            <a:endParaRPr lang="fr-FR" dirty="0"/>
+          </a:p>
+          <a:p>
+            <a:r>
+              <a:rPr lang="fr-FR" dirty="0"/>
+              <a:t>Pour la répartition du travail, nous nous sommes fait des partages d’écran via Discord, puis nous avons programmé ensemble :</a:t>
+            </a:r>
+          </a:p>
+          <a:p>
+            <a:r>
+              <a:rPr lang="fr-FR" dirty="0"/>
+              <a:t>	- Simon a partagé son écran et a travaillé plus sur les .c, les lectures de fichiers avec l’aide de </a:t>
+            </a:r>
+            <a:r>
+              <a:rPr lang="fr-FR" dirty="0" err="1"/>
+              <a:t>Smaïn</a:t>
+            </a:r>
+            <a:r>
+              <a:rPr lang="fr-FR" dirty="0"/>
+              <a:t> et </a:t>
+            </a:r>
+            <a:r>
+              <a:rPr lang="fr-FR" dirty="0" err="1"/>
+              <a:t>Maëlic</a:t>
+            </a:r>
+            <a:r>
+              <a:rPr lang="fr-FR" dirty="0"/>
+              <a:t>.</a:t>
+            </a:r>
+          </a:p>
+          <a:p>
+            <a:r>
+              <a:rPr lang="fr-FR" dirty="0"/>
+              <a:t>	- </a:t>
+            </a:r>
+            <a:r>
+              <a:rPr lang="fr-FR" dirty="0" err="1"/>
+              <a:t>Smaïn</a:t>
+            </a:r>
+            <a:r>
+              <a:rPr lang="fr-FR" dirty="0"/>
+              <a:t> a partagé son écran et a travaillé sur les programmes .c et reconstitués en .h avec le </a:t>
+            </a:r>
+            <a:r>
+              <a:rPr lang="fr-FR" dirty="0" err="1"/>
+              <a:t>Makefile</a:t>
+            </a:r>
+            <a:r>
+              <a:rPr lang="fr-FR" dirty="0"/>
+              <a:t> puis l’interface SDL avec l’aide de </a:t>
+            </a:r>
+            <a:r>
+              <a:rPr lang="fr-FR" dirty="0" err="1"/>
+              <a:t>Maëlic</a:t>
+            </a:r>
+            <a:r>
+              <a:rPr lang="fr-FR" dirty="0"/>
+              <a:t> et Simon.</a:t>
+            </a:r>
+          </a:p>
+          <a:p>
+            <a:r>
+              <a:rPr lang="fr-FR" dirty="0"/>
+              <a:t>	- </a:t>
+            </a:r>
+            <a:r>
+              <a:rPr lang="fr-FR" dirty="0" err="1"/>
+              <a:t>Maëlic</a:t>
+            </a:r>
+            <a:r>
+              <a:rPr lang="fr-FR" dirty="0"/>
+              <a:t> a partagé son écran et a travaillé sur les programmes de lectures questions, réponses avec l’aide de Simon et </a:t>
+            </a:r>
+            <a:r>
+              <a:rPr lang="fr-FR" dirty="0" err="1"/>
+              <a:t>Smaïn</a:t>
+            </a:r>
+            <a:r>
+              <a:rPr lang="fr-FR" dirty="0"/>
+              <a:t>.</a:t>
+            </a:r>
+          </a:p>
+          <a:p>
+            <a:endParaRPr lang="fr-FR" dirty="0"/>
+          </a:p>
+          <a:p>
+            <a:r>
+              <a:rPr lang="fr-FR" dirty="0"/>
+              <a:t>Et pour finir nous avons fait le </a:t>
+            </a:r>
+            <a:r>
+              <a:rPr lang="fr-FR" dirty="0" err="1"/>
+              <a:t>Readme</a:t>
+            </a:r>
+            <a:r>
+              <a:rPr lang="fr-FR" dirty="0"/>
+              <a:t> avec les instructions à suivre, PDF.</a:t>
+            </a:r>
+          </a:p>
+          <a:p>
+            <a:endParaRPr lang="fr-FR" dirty="0"/>
+          </a:p>
+          <a:p>
+            <a:endParaRPr lang="fr-FR" dirty="0"/>
+          </a:p>
+          <a:p>
+            <a:endParaRPr lang="fr-FR" dirty="0"/>
           </a:p>
         </p:txBody>
       </p:sp>
@@ -10980,13 +11616,13 @@
   <p:clrMapOvr>
     <a:masterClrMapping/>
   </p:clrMapOvr>
-  <mc:AlternateContent xmlns:mc="http://schemas.openxmlformats.org/markup-compatibility/2006">
-    <mc:Choice xmlns:p159="http://schemas.microsoft.com/office/powerpoint/2015/09/main" Requires="p159">
+  <mc:AlternateContent xmlns:mc="http://schemas.openxmlformats.org/markup-compatibility/2006" xmlns:p159="http://schemas.microsoft.com/office/powerpoint/2015/09/main">
+    <mc:Choice Requires="p159">
       <p:transition xmlns:p14="http://schemas.microsoft.com/office/powerpoint/2010/main" spd="slow" p14:dur="2000">
         <p159:morph option="byObject"/>
       </p:transition>
     </mc:Choice>
-    <mc:Fallback>
+    <mc:Fallback xmlns="">
       <p:transition spd="slow">
         <p:fade/>
       </p:transition>
@@ -11115,13 +11751,13 @@
   <p:clrMapOvr>
     <a:masterClrMapping/>
   </p:clrMapOvr>
-  <mc:AlternateContent xmlns:mc="http://schemas.openxmlformats.org/markup-compatibility/2006">
-    <mc:Choice xmlns:p159="http://schemas.microsoft.com/office/powerpoint/2015/09/main" Requires="p159">
+  <mc:AlternateContent xmlns:mc="http://schemas.openxmlformats.org/markup-compatibility/2006" xmlns:p159="http://schemas.microsoft.com/office/powerpoint/2015/09/main">
+    <mc:Choice Requires="p159">
       <p:transition xmlns:p14="http://schemas.microsoft.com/office/powerpoint/2010/main" spd="slow" p14:dur="2000">
         <p159:morph option="byObject"/>
       </p:transition>
     </mc:Choice>
-    <mc:Fallback>
+    <mc:Fallback xmlns="">
       <p:transition spd="slow">
         <p:fade/>
       </p:transition>

--- a/JEU-DE-PORTES.pptx
+++ b/JEU-DE-PORTES.pptx
@@ -11501,7 +11501,15 @@
           <a:p>
             <a:r>
               <a:rPr lang="fr-FR" dirty="0"/>
-              <a:t>Pour la répartition du travail, nous nous sommes fait des partages d’écran via Discord, puis nous avons programmé ensemble :</a:t>
+              <a:t>Pour la répartition du travail, nous nous </a:t>
+            </a:r>
+            <a:r>
+              <a:rPr lang="fr-FR"/>
+              <a:t>sommes faits </a:t>
+            </a:r>
+            <a:r>
+              <a:rPr lang="fr-FR" dirty="0"/>
+              <a:t>des partages d’écran via Discord, puis nous avons programmé ensemble :</a:t>
             </a:r>
           </a:p>
           <a:p>

--- a/JEU-DE-PORTES.pptx
+++ b/JEU-DE-PORTES.pptx
@@ -11505,11 +11505,11 @@
             </a:r>
             <a:r>
               <a:rPr lang="fr-FR"/>
-              <a:t>sommes faits </a:t>
+              <a:t>sommes fait des </a:t>
             </a:r>
             <a:r>
               <a:rPr lang="fr-FR" dirty="0"/>
-              <a:t>des partages d’écran via Discord, puis nous avons programmé ensemble :</a:t>
+              <a:t>partages d’écran via Discord, puis nous avons programmé ensemble :</a:t>
             </a:r>
           </a:p>
           <a:p>

--- a/JEU-DE-PORTES.pptx
+++ b/JEU-DE-PORTES.pptx
@@ -14,8 +14,6 @@
     <p:sldId id="262" r:id="rId8"/>
     <p:sldId id="263" r:id="rId9"/>
     <p:sldId id="264" r:id="rId10"/>
-    <p:sldId id="265" r:id="rId11"/>
-    <p:sldId id="266" r:id="rId12"/>
   </p:sldIdLst>
   <p:sldSz cx="12192000" cy="6858000"/>
   <p:notesSz cx="12192000" cy="6858000"/>
@@ -603,7 +601,7 @@
           <a:p>
             <a:fld id="{1D8BD707-D9CF-40AE-B4C6-C98DA3205C09}" type="datetimeFigureOut">
               <a:rPr lang="en-US"/>
-              <a:t>11/25/2020</a:t>
+              <a:t>11/29/2020</a:t>
             </a:fld>
             <a:endParaRPr lang="en-US"/>
           </a:p>
@@ -780,7 +778,7 @@
           <a:p>
             <a:fld id="{1D8BD707-D9CF-40AE-B4C6-C98DA3205C09}" type="datetimeFigureOut">
               <a:rPr lang="en-US"/>
-              <a:t>11/25/2020</a:t>
+              <a:t>11/29/2020</a:t>
             </a:fld>
             <a:endParaRPr lang="en-US"/>
           </a:p>
@@ -994,7 +992,7 @@
           <a:p>
             <a:fld id="{1D8BD707-D9CF-40AE-B4C6-C98DA3205C09}" type="datetimeFigureOut">
               <a:rPr lang="en-US"/>
-              <a:t>11/25/2020</a:t>
+              <a:t>11/29/2020</a:t>
             </a:fld>
             <a:endParaRPr lang="en-US"/>
           </a:p>
@@ -1142,7 +1140,7 @@
           <a:p>
             <a:fld id="{1D8BD707-D9CF-40AE-B4C6-C98DA3205C09}" type="datetimeFigureOut">
               <a:rPr lang="en-US"/>
-              <a:t>11/25/2020</a:t>
+              <a:t>11/29/2020</a:t>
             </a:fld>
             <a:endParaRPr lang="en-US"/>
           </a:p>
@@ -1261,7 +1259,7 @@
           <a:p>
             <a:fld id="{1D8BD707-D9CF-40AE-B4C6-C98DA3205C09}" type="datetimeFigureOut">
               <a:rPr lang="en-US"/>
-              <a:t>11/25/2020</a:t>
+              <a:t>11/29/2020</a:t>
             </a:fld>
             <a:endParaRPr lang="en-US"/>
           </a:p>
@@ -1747,7 +1745,7 @@
           <a:p>
             <a:fld id="{1D8BD707-D9CF-40AE-B4C6-C98DA3205C09}" type="datetimeFigureOut">
               <a:rPr lang="en-US"/>
-              <a:t>11/25/2020</a:t>
+              <a:t>11/29/2020</a:t>
             </a:fld>
             <a:endParaRPr lang="en-US"/>
           </a:p>
@@ -2315,231 +2313,6 @@
       </p:transition>
     </mc:Fallback>
   </mc:AlternateContent>
-</p:sld>
-</file>
-
-<file path=ppt/slides/slide10.xml><?xml version="1.0" encoding="utf-8"?>
-<p:sld xmlns:a="http://schemas.openxmlformats.org/drawingml/2006/main" xmlns:r="http://schemas.openxmlformats.org/officeDocument/2006/relationships" xmlns:p="http://schemas.openxmlformats.org/presentationml/2006/main">
-  <p:cSld>
-    <p:spTree>
-      <p:nvGrpSpPr>
-        <p:cNvPr id="1" name=""/>
-        <p:cNvGrpSpPr/>
-        <p:nvPr/>
-      </p:nvGrpSpPr>
-      <p:grpSpPr>
-        <a:xfrm>
-          <a:off x="0" y="0"/>
-          <a:ext cx="0" cy="0"/>
-          <a:chOff x="0" y="0"/>
-          <a:chExt cx="0" cy="0"/>
-        </a:xfrm>
-      </p:grpSpPr>
-      <p:sp>
-        <p:nvSpPr>
-          <p:cNvPr id="2" name="Titre 1">
-            <a:extLst>
-              <a:ext uri="{FF2B5EF4-FFF2-40B4-BE49-F238E27FC236}">
-                <a16:creationId xmlns:a16="http://schemas.microsoft.com/office/drawing/2014/main" id="{29A54EC1-DC49-4E0C-866A-A98768EF0599}"/>
-              </a:ext>
-            </a:extLst>
-          </p:cNvPr>
-          <p:cNvSpPr>
-            <a:spLocks noGrp="1"/>
-          </p:cNvSpPr>
-          <p:nvPr>
-            <p:ph type="title"/>
-          </p:nvPr>
-        </p:nvSpPr>
-        <p:spPr>
-          <a:xfrm>
-            <a:off x="3239515" y="457200"/>
-            <a:ext cx="5712967" cy="492443"/>
-          </a:xfrm>
-        </p:spPr>
-        <p:txBody>
-          <a:bodyPr/>
-          <a:lstStyle/>
-          <a:p>
-            <a:r>
-              <a:rPr lang="en-US" sz="3200" b="1" dirty="0">
-                <a:ln w="12700">
-                  <a:solidFill>
-                    <a:srgbClr val="00FFFF"/>
-                  </a:solidFill>
-                  <a:prstDash val="solid"/>
-                </a:ln>
-                <a:pattFill prst="ltDnDiag">
-                  <a:fgClr>
-                    <a:schemeClr val="accent5">
-                      <a:lumMod val="60000"/>
-                      <a:lumOff val="40000"/>
-                    </a:schemeClr>
-                  </a:fgClr>
-                  <a:bgClr>
-                    <a:schemeClr val="bg1"/>
-                  </a:bgClr>
-                </a:pattFill>
-                <a:effectLst>
-                  <a:outerShdw blurRad="50800" dist="38100" dir="2700000" algn="tl" rotWithShape="0">
-                    <a:prstClr val="black">
-                      <a:alpha val="40000"/>
-                    </a:prstClr>
-                  </a:outerShdw>
-                </a:effectLst>
-                <a:latin typeface="Tw Cen MT" panose="020B0602020104020603" pitchFamily="34" charset="0"/>
-              </a:rPr>
-              <a:t>BIBLIOGRAPHIE / WEBOGRAPHIE</a:t>
-            </a:r>
-            <a:endParaRPr lang="fr-FR" sz="3200" b="1" dirty="0"/>
-          </a:p>
-        </p:txBody>
-      </p:sp>
-      <p:sp>
-        <p:nvSpPr>
-          <p:cNvPr id="3" name="Espace réservé du texte 2">
-            <a:extLst>
-              <a:ext uri="{FF2B5EF4-FFF2-40B4-BE49-F238E27FC236}">
-                <a16:creationId xmlns:a16="http://schemas.microsoft.com/office/drawing/2014/main" id="{0D650500-A421-4963-B9E2-1180DC48D471}"/>
-              </a:ext>
-            </a:extLst>
-          </p:cNvPr>
-          <p:cNvSpPr>
-            <a:spLocks noGrp="1"/>
-          </p:cNvSpPr>
-          <p:nvPr>
-            <p:ph type="body" idx="1"/>
-          </p:nvPr>
-        </p:nvSpPr>
-        <p:spPr>
-          <a:xfrm>
-            <a:off x="1212086" y="1828800"/>
-            <a:ext cx="9767824" cy="4495800"/>
-          </a:xfrm>
-        </p:spPr>
-        <p:txBody>
-          <a:bodyPr/>
-          <a:lstStyle/>
-          <a:p>
-            <a:r>
-              <a:rPr lang="fr-FR" dirty="0"/>
-              <a:t> -</a:t>
-            </a:r>
-          </a:p>
-        </p:txBody>
-      </p:sp>
-    </p:spTree>
-    <p:extLst>
-      <p:ext uri="{BB962C8B-B14F-4D97-AF65-F5344CB8AC3E}">
-        <p14:creationId xmlns:p14="http://schemas.microsoft.com/office/powerpoint/2010/main" val="1630500994"/>
-      </p:ext>
-    </p:extLst>
-  </p:cSld>
-  <p:clrMapOvr>
-    <a:masterClrMapping/>
-  </p:clrMapOvr>
-  <mc:AlternateContent xmlns:mc="http://schemas.openxmlformats.org/markup-compatibility/2006" xmlns:p159="http://schemas.microsoft.com/office/powerpoint/2015/09/main">
-    <mc:Choice Requires="p159">
-      <p:transition xmlns:p14="http://schemas.microsoft.com/office/powerpoint/2010/main" spd="slow" p14:dur="2000">
-        <p159:morph option="byObject"/>
-      </p:transition>
-    </mc:Choice>
-    <mc:Fallback xmlns="">
-      <p:transition spd="slow">
-        <p:fade/>
-      </p:transition>
-    </mc:Fallback>
-  </mc:AlternateContent>
-</p:sld>
-</file>
-
-<file path=ppt/slides/slide11.xml><?xml version="1.0" encoding="utf-8"?>
-<p:sld xmlns:a="http://schemas.openxmlformats.org/drawingml/2006/main" xmlns:r="http://schemas.openxmlformats.org/officeDocument/2006/relationships" xmlns:p="http://schemas.openxmlformats.org/presentationml/2006/main">
-  <p:cSld>
-    <p:spTree>
-      <p:nvGrpSpPr>
-        <p:cNvPr id="1" name=""/>
-        <p:cNvGrpSpPr/>
-        <p:nvPr/>
-      </p:nvGrpSpPr>
-      <p:grpSpPr>
-        <a:xfrm>
-          <a:off x="0" y="0"/>
-          <a:ext cx="0" cy="0"/>
-          <a:chOff x="0" y="0"/>
-          <a:chExt cx="0" cy="0"/>
-        </a:xfrm>
-      </p:grpSpPr>
-      <p:sp>
-        <p:nvSpPr>
-          <p:cNvPr id="2" name="Titre 1">
-            <a:extLst>
-              <a:ext uri="{FF2B5EF4-FFF2-40B4-BE49-F238E27FC236}">
-                <a16:creationId xmlns:a16="http://schemas.microsoft.com/office/drawing/2014/main" id="{0EC9A90A-E4B2-4614-98A0-3A133CDD31BD}"/>
-              </a:ext>
-            </a:extLst>
-          </p:cNvPr>
-          <p:cNvSpPr>
-            <a:spLocks noGrp="1"/>
-          </p:cNvSpPr>
-          <p:nvPr>
-            <p:ph type="title"/>
-          </p:nvPr>
-        </p:nvSpPr>
-        <p:spPr>
-          <a:xfrm>
-            <a:off x="5524499" y="533400"/>
-            <a:ext cx="1143000" cy="492443"/>
-          </a:xfrm>
-        </p:spPr>
-        <p:txBody>
-          <a:bodyPr/>
-          <a:lstStyle/>
-          <a:p>
-            <a:r>
-              <a:rPr lang="en-US" sz="3200" b="1" dirty="0">
-                <a:ln w="12700">
-                  <a:solidFill>
-                    <a:srgbClr val="00FFFF"/>
-                  </a:solidFill>
-                  <a:prstDash val="solid"/>
-                </a:ln>
-                <a:pattFill prst="ltDnDiag">
-                  <a:fgClr>
-                    <a:schemeClr val="accent5">
-                      <a:lumMod val="60000"/>
-                      <a:lumOff val="40000"/>
-                    </a:schemeClr>
-                  </a:fgClr>
-                  <a:bgClr>
-                    <a:schemeClr val="bg1"/>
-                  </a:bgClr>
-                </a:pattFill>
-                <a:effectLst>
-                  <a:outerShdw blurRad="50800" dist="38100" dir="2700000" algn="tl" rotWithShape="0">
-                    <a:prstClr val="black">
-                      <a:alpha val="40000"/>
-                    </a:prstClr>
-                  </a:outerShdw>
-                </a:effectLst>
-                <a:latin typeface="Tw Cen MT" panose="020B0602020104020603" pitchFamily="34" charset="0"/>
-              </a:rPr>
-              <a:t>VIDÉO</a:t>
-            </a:r>
-            <a:endParaRPr lang="fr-FR" sz="2800" dirty="0"/>
-          </a:p>
-        </p:txBody>
-      </p:sp>
-    </p:spTree>
-    <p:extLst>
-      <p:ext uri="{BB962C8B-B14F-4D97-AF65-F5344CB8AC3E}">
-        <p14:creationId xmlns:p14="http://schemas.microsoft.com/office/powerpoint/2010/main" val="1501660589"/>
-      </p:ext>
-    </p:extLst>
-  </p:cSld>
-  <p:clrMapOvr>
-    <a:masterClrMapping/>
-  </p:clrMapOvr>
 </p:sld>
 </file>
 
@@ -11734,8 +11507,8 @@
         </p:nvSpPr>
         <p:spPr>
           <a:xfrm>
-            <a:off x="1212087" y="1524000"/>
-            <a:ext cx="9767824" cy="4800600"/>
+            <a:off x="1212087" y="1676400"/>
+            <a:ext cx="9767824" cy="3323987"/>
           </a:xfrm>
         </p:spPr>
         <p:txBody>
@@ -11744,7 +11517,37 @@
           <a:p>
             <a:r>
               <a:rPr lang="fr-FR" dirty="0"/>
-              <a:t>-</a:t>
+              <a:t>Pour conclure sur où nous en sommes :</a:t>
+            </a:r>
+          </a:p>
+          <a:p>
+            <a:r>
+              <a:rPr lang="fr-FR" dirty="0"/>
+              <a:t>	- Menu</a:t>
+            </a:r>
+          </a:p>
+          <a:p>
+            <a:r>
+              <a:rPr lang="fr-FR" dirty="0"/>
+              <a:t>	- Jeu mode facile</a:t>
+            </a:r>
+          </a:p>
+          <a:p>
+            <a:r>
+              <a:rPr lang="fr-FR" dirty="0"/>
+              <a:t>	- Mode difficile nous avons rencontré un problème pour comparer de chaîne de caractères en ouvrant 2 fichiers différents.</a:t>
+            </a:r>
+          </a:p>
+          <a:p>
+            <a:r>
+              <a:rPr lang="fr-FR" dirty="0"/>
+              <a:t>	- Pour la SDL on a pas le temps de suivre les cours sur internet mais on a réussi à quand même faire ouvrir une fenêtre avec le titre</a:t>
+            </a:r>
+          </a:p>
+          <a:p>
+            <a:r>
+              <a:rPr lang="fr-FR" dirty="0"/>
+              <a:t>	-Néanmoins nous avons ajouté des fichiers .c ou .h qu’on à pas encore assembler avec le reste du jeu.</a:t>
             </a:r>
           </a:p>
         </p:txBody>
@@ -11759,13 +11562,13 @@
   <p:clrMapOvr>
     <a:masterClrMapping/>
   </p:clrMapOvr>
-  <mc:AlternateContent xmlns:mc="http://schemas.openxmlformats.org/markup-compatibility/2006" xmlns:p159="http://schemas.microsoft.com/office/powerpoint/2015/09/main">
-    <mc:Choice Requires="p159">
-      <p:transition xmlns:p14="http://schemas.microsoft.com/office/powerpoint/2010/main" spd="slow" p14:dur="2000">
-        <p159:morph option="byObject"/>
+  <mc:AlternateContent xmlns:mc="http://schemas.openxmlformats.org/markup-compatibility/2006">
+    <mc:Choice xmlns:p14="http://schemas.microsoft.com/office/powerpoint/2010/main" Requires="p14">
+      <p:transition spd="slow" p14:dur="4000">
+        <p14:vortex dir="r"/>
       </p:transition>
     </mc:Choice>
-    <mc:Fallback xmlns="">
+    <mc:Fallback>
       <p:transition spd="slow">
         <p:fade/>
       </p:transition>

--- a/JEU-DE-PORTES.pptx
+++ b/JEU-DE-PORTES.pptx
@@ -11535,7 +11535,15 @@
           <a:p>
             <a:r>
               <a:rPr lang="fr-FR" dirty="0"/>
-              <a:t>	- Mode difficile nous avons rencontré un problème pour comparer de chaîne de caractères en ouvrant 2 fichiers différents.</a:t>
+              <a:t>	- Mode difficile et </a:t>
+            </a:r>
+            <a:r>
+              <a:rPr lang="fr-FR"/>
+              <a:t>mode facile </a:t>
+            </a:r>
+            <a:r>
+              <a:rPr lang="fr-FR" dirty="0"/>
+              <a:t>nous avons rencontré un problème pour comparer de chaîne de caractères en ouvrant 2 fichiers différents.</a:t>
             </a:r>
           </a:p>
           <a:p>
@@ -11562,13 +11570,13 @@
   <p:clrMapOvr>
     <a:masterClrMapping/>
   </p:clrMapOvr>
-  <mc:AlternateContent xmlns:mc="http://schemas.openxmlformats.org/markup-compatibility/2006">
-    <mc:Choice xmlns:p14="http://schemas.microsoft.com/office/powerpoint/2010/main" Requires="p14">
+  <mc:AlternateContent xmlns:mc="http://schemas.openxmlformats.org/markup-compatibility/2006" xmlns:p14="http://schemas.microsoft.com/office/powerpoint/2010/main">
+    <mc:Choice Requires="p14">
       <p:transition spd="slow" p14:dur="4000">
         <p14:vortex dir="r"/>
       </p:transition>
     </mc:Choice>
-    <mc:Fallback>
+    <mc:Fallback xmlns="">
       <p:transition spd="slow">
         <p:fade/>
       </p:transition>
